--- a/zblog/images-dtw/edit.pptx
+++ b/zblog/images-dtw/edit.pptx
@@ -10711,7 +10711,7 @@
         </p:nvSpPr>
         <p:spPr>
           <a:xfrm>
-            <a:off x="1161219" y="305582"/>
+            <a:off x="1018840" y="450333"/>
             <a:ext cx="1458989" cy="369332"/>
           </a:xfrm>
           <a:prstGeom prst="rect">
@@ -10753,7 +10753,7 @@
         </p:nvSpPr>
         <p:spPr>
           <a:xfrm>
-            <a:off x="313828" y="1093800"/>
+            <a:off x="557175" y="895949"/>
             <a:ext cx="461665" cy="1366593"/>
           </a:xfrm>
           <a:prstGeom prst="rect">
